--- a/pre-made-ppt/forever.pptx
+++ b/pre-made-ppt/forever.pptx
@@ -14,7 +14,7 @@
     <p:sldId id="261" r:id="rId8"/>
     <p:sldId id="262" r:id="rId9"/>
     <p:sldId id="263" r:id="rId10"/>
-    <p:sldId id="264" r:id="rId11"/>
+    <p:sldId id="265" r:id="rId11"/>
   </p:sldIdLst>
   <p:sldSz cx="9144000" cy="6858000" type="screen4x3"/>
   <p:notesSz cx="6858000" cy="9144000"/>
@@ -297,7 +297,7 @@
           <a:p>
             <a:fld id="{5BCAD085-E8A6-8845-BD4E-CB4CCA059FC4}" type="datetimeFigureOut">
               <a:rPr lang="en-US" smtClean="0"/>
-              <a:t>10/12/2019</a:t>
+              <a:t>10/13/2019</a:t>
             </a:fld>
             <a:endParaRPr lang="en-US"/>
           </a:p>
@@ -467,7 +467,7 @@
           <a:p>
             <a:fld id="{5BCAD085-E8A6-8845-BD4E-CB4CCA059FC4}" type="datetimeFigureOut">
               <a:rPr lang="en-US" smtClean="0"/>
-              <a:t>10/12/2019</a:t>
+              <a:t>10/13/2019</a:t>
             </a:fld>
             <a:endParaRPr lang="en-US"/>
           </a:p>
@@ -647,7 +647,7 @@
           <a:p>
             <a:fld id="{5BCAD085-E8A6-8845-BD4E-CB4CCA059FC4}" type="datetimeFigureOut">
               <a:rPr lang="en-US" smtClean="0"/>
-              <a:t>10/12/2019</a:t>
+              <a:t>10/13/2019</a:t>
             </a:fld>
             <a:endParaRPr lang="en-US"/>
           </a:p>
@@ -896,7 +896,7 @@
                 </a:solidFill>
               </a:rPr>
               <a:pPr/>
-              <a:t>10/12/2019</a:t>
+              <a:t>10/13/2019</a:t>
             </a:fld>
             <a:endParaRPr lang="en-US">
               <a:solidFill>
@@ -1098,7 +1098,7 @@
                 </a:solidFill>
               </a:rPr>
               <a:pPr/>
-              <a:t>10/12/2019</a:t>
+              <a:t>10/13/2019</a:t>
             </a:fld>
             <a:endParaRPr lang="en-US">
               <a:solidFill>
@@ -1376,7 +1376,7 @@
                 </a:solidFill>
               </a:rPr>
               <a:pPr/>
-              <a:t>10/12/2019</a:t>
+              <a:t>10/13/2019</a:t>
             </a:fld>
             <a:endParaRPr lang="en-US">
               <a:solidFill>
@@ -1696,7 +1696,7 @@
                 </a:solidFill>
               </a:rPr>
               <a:pPr/>
-              <a:t>10/12/2019</a:t>
+              <a:t>10/13/2019</a:t>
             </a:fld>
             <a:endParaRPr lang="en-US">
               <a:solidFill>
@@ -2150,7 +2150,7 @@
                 </a:solidFill>
               </a:rPr>
               <a:pPr/>
-              <a:t>10/12/2019</a:t>
+              <a:t>10/13/2019</a:t>
             </a:fld>
             <a:endParaRPr lang="en-US">
               <a:solidFill>
@@ -2300,7 +2300,7 @@
                 </a:solidFill>
               </a:rPr>
               <a:pPr/>
-              <a:t>10/12/2019</a:t>
+              <a:t>10/13/2019</a:t>
             </a:fld>
             <a:endParaRPr lang="en-US">
               <a:solidFill>
@@ -2427,7 +2427,7 @@
                 </a:solidFill>
               </a:rPr>
               <a:pPr/>
-              <a:t>10/12/2019</a:t>
+              <a:t>10/13/2019</a:t>
             </a:fld>
             <a:endParaRPr lang="en-US">
               <a:solidFill>
@@ -2736,7 +2736,7 @@
                 </a:solidFill>
               </a:rPr>
               <a:pPr/>
-              <a:t>10/12/2019</a:t>
+              <a:t>10/13/2019</a:t>
             </a:fld>
             <a:endParaRPr lang="en-US">
               <a:solidFill>
@@ -2931,7 +2931,7 @@
           <a:p>
             <a:fld id="{5BCAD085-E8A6-8845-BD4E-CB4CCA059FC4}" type="datetimeFigureOut">
               <a:rPr lang="en-US" smtClean="0"/>
-              <a:t>10/12/2019</a:t>
+              <a:t>10/13/2019</a:t>
             </a:fld>
             <a:endParaRPr lang="en-US"/>
           </a:p>
@@ -3191,7 +3191,7 @@
                 </a:solidFill>
               </a:rPr>
               <a:pPr/>
-              <a:t>10/12/2019</a:t>
+              <a:t>10/13/2019</a:t>
             </a:fld>
             <a:endParaRPr lang="en-US">
               <a:solidFill>
@@ -3393,7 +3393,7 @@
                 </a:solidFill>
               </a:rPr>
               <a:pPr/>
-              <a:t>10/12/2019</a:t>
+              <a:t>10/13/2019</a:t>
             </a:fld>
             <a:endParaRPr lang="en-US">
               <a:solidFill>
@@ -3605,7 +3605,7 @@
                 </a:solidFill>
               </a:rPr>
               <a:pPr/>
-              <a:t>10/12/2019</a:t>
+              <a:t>10/13/2019</a:t>
             </a:fld>
             <a:endParaRPr lang="en-US">
               <a:solidFill>
@@ -3876,7 +3876,7 @@
           <a:p>
             <a:fld id="{5BCAD085-E8A6-8845-BD4E-CB4CCA059FC4}" type="datetimeFigureOut">
               <a:rPr lang="en-US" smtClean="0"/>
-              <a:t>10/12/2019</a:t>
+              <a:t>10/13/2019</a:t>
             </a:fld>
             <a:endParaRPr lang="en-US"/>
           </a:p>
@@ -4164,7 +4164,7 @@
           <a:p>
             <a:fld id="{5BCAD085-E8A6-8845-BD4E-CB4CCA059FC4}" type="datetimeFigureOut">
               <a:rPr lang="en-US" smtClean="0"/>
-              <a:t>10/12/2019</a:t>
+              <a:t>10/13/2019</a:t>
             </a:fld>
             <a:endParaRPr lang="en-US"/>
           </a:p>
@@ -4586,7 +4586,7 @@
           <a:p>
             <a:fld id="{5BCAD085-E8A6-8845-BD4E-CB4CCA059FC4}" type="datetimeFigureOut">
               <a:rPr lang="en-US" smtClean="0"/>
-              <a:t>10/12/2019</a:t>
+              <a:t>10/13/2019</a:t>
             </a:fld>
             <a:endParaRPr lang="en-US"/>
           </a:p>
@@ -4704,7 +4704,7 @@
           <a:p>
             <a:fld id="{5BCAD085-E8A6-8845-BD4E-CB4CCA059FC4}" type="datetimeFigureOut">
               <a:rPr lang="en-US" smtClean="0"/>
-              <a:t>10/12/2019</a:t>
+              <a:t>10/13/2019</a:t>
             </a:fld>
             <a:endParaRPr lang="en-US"/>
           </a:p>
@@ -4799,7 +4799,7 @@
           <a:p>
             <a:fld id="{5BCAD085-E8A6-8845-BD4E-CB4CCA059FC4}" type="datetimeFigureOut">
               <a:rPr lang="en-US" smtClean="0"/>
-              <a:t>10/12/2019</a:t>
+              <a:t>10/13/2019</a:t>
             </a:fld>
             <a:endParaRPr lang="en-US"/>
           </a:p>
@@ -5076,7 +5076,7 @@
           <a:p>
             <a:fld id="{5BCAD085-E8A6-8845-BD4E-CB4CCA059FC4}" type="datetimeFigureOut">
               <a:rPr lang="en-US" smtClean="0"/>
-              <a:t>10/12/2019</a:t>
+              <a:t>10/13/2019</a:t>
             </a:fld>
             <a:endParaRPr lang="en-US"/>
           </a:p>
@@ -5329,7 +5329,7 @@
           <a:p>
             <a:fld id="{5BCAD085-E8A6-8845-BD4E-CB4CCA059FC4}" type="datetimeFigureOut">
               <a:rPr lang="en-US" smtClean="0"/>
-              <a:t>10/12/2019</a:t>
+              <a:t>10/13/2019</a:t>
             </a:fld>
             <a:endParaRPr lang="en-US"/>
           </a:p>
@@ -5542,7 +5542,7 @@
           <a:p>
             <a:fld id="{5BCAD085-E8A6-8845-BD4E-CB4CCA059FC4}" type="datetimeFigureOut">
               <a:rPr lang="en-US" smtClean="0"/>
-              <a:t>10/12/2019</a:t>
+              <a:t>10/13/2019</a:t>
             </a:fld>
             <a:endParaRPr lang="en-US"/>
           </a:p>
@@ -6059,7 +6059,7 @@
                 </a:solidFill>
               </a:rPr>
               <a:pPr/>
-              <a:t>10/12/2019</a:t>
+              <a:t>10/13/2019</a:t>
             </a:fld>
             <a:endParaRPr lang="en-US">
               <a:solidFill>
@@ -6815,7 +6815,7 @@
         <p:spPr>
           <a:xfrm>
             <a:off x="445477" y="28296"/>
-            <a:ext cx="8440615" cy="3046988"/>
+            <a:ext cx="8440615" cy="2862322"/>
           </a:xfrm>
           <a:prstGeom prst="rect">
             <a:avLst/>
@@ -6836,7 +6836,7 @@
               </a:defRPr>
             </a:pPr>
             <a:r>
-              <a:rPr sz="6400" dirty="0" err="1">
+              <a:rPr sz="6000" dirty="0" err="1">
                 <a:solidFill>
                   <a:srgbClr val="000000"/>
                 </a:solidFill>
@@ -6844,7 +6844,7 @@
               <a:t>พระองค์ทรงดี</a:t>
             </a:r>
             <a:r>
-              <a:rPr sz="6400" dirty="0">
+              <a:rPr sz="6000" dirty="0">
                 <a:solidFill>
                   <a:srgbClr val="000000"/>
                 </a:solidFill>
@@ -6852,7 +6852,7 @@
               <a:t> </a:t>
             </a:r>
             <a:r>
-              <a:rPr sz="6400" dirty="0" err="1">
+              <a:rPr sz="6000" dirty="0" err="1">
                 <a:solidFill>
                   <a:srgbClr val="000000"/>
                 </a:solidFill>
@@ -6860,7 +6860,7 @@
               <a:t>และทรงอยู่เหนือ</a:t>
             </a:r>
             <a:r>
-              <a:rPr sz="6400" dirty="0" err="1" smtClean="0">
+              <a:rPr sz="6000" dirty="0" err="1" smtClean="0">
                 <a:solidFill>
                   <a:srgbClr val="000000"/>
                 </a:solidFill>
@@ -6868,7 +6868,7 @@
               <a:t>ทุกสิ่ง</a:t>
             </a:r>
             <a:r>
-              <a:rPr sz="6400" dirty="0" smtClean="0">
+              <a:rPr sz="6000" dirty="0" smtClean="0">
                 <a:solidFill>
                   <a:srgbClr val="000000"/>
                 </a:solidFill>
@@ -6876,7 +6876,7 @@
               <a:t> </a:t>
             </a:r>
             <a:r>
-              <a:rPr sz="6400" dirty="0" err="1">
+              <a:rPr sz="6000" dirty="0" err="1">
                 <a:solidFill>
                   <a:srgbClr val="000000"/>
                 </a:solidFill>
@@ -6884,14 +6884,14 @@
               <a:t>ความรักพระองค์ดำรงนิรันดร์</a:t>
             </a:r>
             <a:r>
-              <a:rPr sz="6400" dirty="0">
+              <a:rPr sz="6000" dirty="0">
                 <a:solidFill>
                   <a:srgbClr val="000000"/>
                 </a:solidFill>
               </a:rPr>
               <a:t> </a:t>
             </a:r>
-            <a:endParaRPr lang="en-US" sz="6400" dirty="0" smtClean="0">
+            <a:endParaRPr lang="en-US" sz="6000" dirty="0" smtClean="0">
               <a:solidFill>
                 <a:srgbClr val="000000"/>
               </a:solidFill>
@@ -6906,7 +6906,7 @@
               </a:defRPr>
             </a:pPr>
             <a:r>
-              <a:rPr sz="6400" dirty="0" err="1" smtClean="0">
+              <a:rPr sz="6000" dirty="0" err="1" smtClean="0">
                 <a:solidFill>
                   <a:srgbClr val="000000"/>
                 </a:solidFill>
@@ -6914,7 +6914,7 @@
               <a:t>เรา</a:t>
             </a:r>
             <a:r>
-              <a:rPr sz="6400" dirty="0" err="1">
+              <a:rPr sz="6000" dirty="0" err="1">
                 <a:solidFill>
                   <a:srgbClr val="000000"/>
                 </a:solidFill>
@@ -6922,7 +6922,7 @@
               <a:t>ร้อง</a:t>
             </a:r>
             <a:r>
-              <a:rPr sz="6400" dirty="0">
+              <a:rPr sz="6000" dirty="0">
                 <a:solidFill>
                   <a:srgbClr val="000000"/>
                 </a:solidFill>
@@ -6930,14 +6930,14 @@
               <a:t> </a:t>
             </a:r>
             <a:r>
-              <a:rPr sz="6400" dirty="0" err="1">
+              <a:rPr sz="6000" dirty="0" err="1">
                 <a:solidFill>
                   <a:srgbClr val="000000"/>
                 </a:solidFill>
               </a:rPr>
               <a:t>สรรเสริญ</a:t>
             </a:r>
-            <a:endParaRPr sz="6400" dirty="0">
+            <a:endParaRPr sz="6000" dirty="0">
               <a:solidFill>
                 <a:srgbClr val="000000"/>
               </a:solidFill>
@@ -6954,7 +6954,7 @@
         <p:spPr>
           <a:xfrm>
             <a:off x="685800" y="3247181"/>
-            <a:ext cx="7772400" cy="3416320"/>
+            <a:ext cx="7772400" cy="3046988"/>
           </a:xfrm>
           <a:prstGeom prst="rect">
             <a:avLst/>
@@ -6975,14 +6975,14 @@
               </a:defRPr>
             </a:pPr>
             <a:r>
-              <a:rPr sz="5400" b="1" dirty="0">
+              <a:rPr sz="4800" b="1" dirty="0">
                 <a:solidFill>
                   <a:srgbClr val="3A70BC"/>
                 </a:solidFill>
               </a:rPr>
               <a:t>For He is good, </a:t>
             </a:r>
-            <a:endParaRPr lang="en-US" sz="5400" b="1" dirty="0" smtClean="0">
+            <a:endParaRPr lang="en-US" sz="4800" b="1" dirty="0" smtClean="0">
               <a:solidFill>
                 <a:srgbClr val="3A70BC"/>
               </a:solidFill>
@@ -6997,7 +6997,7 @@
               </a:defRPr>
             </a:pPr>
             <a:r>
-              <a:rPr sz="5400" b="1" dirty="0" smtClean="0">
+              <a:rPr sz="4800" b="1" dirty="0" smtClean="0">
                 <a:solidFill>
                   <a:srgbClr val="3A70BC"/>
                 </a:solidFill>
@@ -7005,14 +7005,14 @@
               <a:t>He </a:t>
             </a:r>
             <a:r>
-              <a:rPr sz="5400" b="1" dirty="0">
+              <a:rPr sz="4800" b="1" dirty="0">
                 <a:solidFill>
                   <a:srgbClr val="3A70BC"/>
                 </a:solidFill>
               </a:rPr>
               <a:t>is above all things. </a:t>
             </a:r>
-            <a:endParaRPr lang="en-US" sz="5400" b="1" dirty="0" smtClean="0">
+            <a:endParaRPr lang="en-US" sz="4800" b="1" dirty="0" smtClean="0">
               <a:solidFill>
                 <a:srgbClr val="3A70BC"/>
               </a:solidFill>
@@ -7027,7 +7027,7 @@
               </a:defRPr>
             </a:pPr>
             <a:r>
-              <a:rPr sz="5400" b="1" dirty="0" smtClean="0">
+              <a:rPr sz="4800" b="1" dirty="0" smtClean="0">
                 <a:solidFill>
                   <a:srgbClr val="3A70BC"/>
                 </a:solidFill>
@@ -7035,14 +7035,14 @@
               <a:t>His </a:t>
             </a:r>
             <a:r>
-              <a:rPr sz="5400" b="1" dirty="0">
+              <a:rPr sz="4800" b="1" dirty="0">
                 <a:solidFill>
                   <a:srgbClr val="3A70BC"/>
                 </a:solidFill>
               </a:rPr>
               <a:t>love endures forever. </a:t>
             </a:r>
-            <a:endParaRPr lang="en-US" sz="5400" b="1" dirty="0" smtClean="0">
+            <a:endParaRPr lang="en-US" sz="4800" b="1" dirty="0" smtClean="0">
               <a:solidFill>
                 <a:srgbClr val="3A70BC"/>
               </a:solidFill>
@@ -7057,7 +7057,7 @@
               </a:defRPr>
             </a:pPr>
             <a:r>
-              <a:rPr sz="5400" b="1" dirty="0" smtClean="0">
+              <a:rPr sz="4800" b="1" dirty="0" smtClean="0">
                 <a:solidFill>
                   <a:srgbClr val="3A70BC"/>
                 </a:solidFill>
@@ -7065,7 +7065,7 @@
               <a:t>Sing </a:t>
             </a:r>
             <a:r>
-              <a:rPr sz="5400" b="1" dirty="0">
+              <a:rPr sz="4800" b="1" dirty="0">
                 <a:solidFill>
                   <a:srgbClr val="3A70BC"/>
                 </a:solidFill>
@@ -7129,7 +7129,7 @@
         <p:spPr>
           <a:xfrm>
             <a:off x="685800" y="228600"/>
-            <a:ext cx="7772400" cy="3046988"/>
+            <a:ext cx="7772400" cy="2862322"/>
           </a:xfrm>
           <a:prstGeom prst="rect">
             <a:avLst/>
@@ -7150,7 +7150,7 @@
               </a:defRPr>
             </a:pPr>
             <a:r>
-              <a:rPr sz="6400" dirty="0">
+              <a:rPr sz="6000" dirty="0">
                 <a:solidFill>
                   <a:srgbClr val="000000"/>
                 </a:solidFill>
@@ -7158,7 +7158,7 @@
               <a:t>2. </a:t>
             </a:r>
             <a:r>
-              <a:rPr sz="6400" dirty="0" err="1">
+              <a:rPr sz="6000" dirty="0" err="1">
                 <a:solidFill>
                   <a:srgbClr val="000000"/>
                 </a:solidFill>
@@ -7166,14 +7166,14 @@
               <a:t>ด้วยพระหัตถ์ทรง</a:t>
             </a:r>
             <a:r>
-              <a:rPr sz="6400" dirty="0" err="1" smtClean="0">
+              <a:rPr sz="6000" dirty="0" err="1" smtClean="0">
                 <a:solidFill>
                   <a:srgbClr val="000000"/>
                 </a:solidFill>
               </a:rPr>
               <a:t>ฤทธิ์</a:t>
             </a:r>
-            <a:endParaRPr lang="en-US" sz="6400" dirty="0" smtClean="0">
+            <a:endParaRPr lang="en-US" sz="6000" dirty="0" smtClean="0">
               <a:solidFill>
                 <a:srgbClr val="000000"/>
               </a:solidFill>
@@ -7188,7 +7188,7 @@
               </a:defRPr>
             </a:pPr>
             <a:r>
-              <a:rPr sz="6400" dirty="0" smtClean="0">
+              <a:rPr sz="6000" dirty="0" smtClean="0">
                 <a:solidFill>
                   <a:srgbClr val="000000"/>
                 </a:solidFill>
@@ -7196,7 +7196,7 @@
               <a:t> </a:t>
             </a:r>
             <a:r>
-              <a:rPr sz="6400" dirty="0" err="1">
+              <a:rPr sz="6000" dirty="0" err="1">
                 <a:solidFill>
                   <a:srgbClr val="000000"/>
                 </a:solidFill>
@@ -7204,14 +7204,14 @@
               <a:t>โอบล้อมชีวี</a:t>
             </a:r>
             <a:r>
-              <a:rPr sz="6400" dirty="0">
+              <a:rPr sz="6000" dirty="0">
                 <a:solidFill>
                   <a:srgbClr val="000000"/>
                 </a:solidFill>
               </a:rPr>
               <a:t> </a:t>
             </a:r>
-            <a:endParaRPr lang="en-US" sz="6400" dirty="0" smtClean="0">
+            <a:endParaRPr lang="en-US" sz="6000" dirty="0" smtClean="0">
               <a:solidFill>
                 <a:srgbClr val="000000"/>
               </a:solidFill>
@@ -7226,7 +7226,7 @@
               </a:defRPr>
             </a:pPr>
             <a:r>
-              <a:rPr sz="6400" dirty="0" err="1" smtClean="0">
+              <a:rPr sz="6000" dirty="0" err="1" smtClean="0">
                 <a:solidFill>
                   <a:srgbClr val="000000"/>
                 </a:solidFill>
@@ -7234,7 +7234,7 @@
               <a:t>ความ</a:t>
             </a:r>
             <a:r>
-              <a:rPr sz="6400" dirty="0" err="1">
+              <a:rPr sz="6000" dirty="0" err="1">
                 <a:solidFill>
                   <a:srgbClr val="000000"/>
                 </a:solidFill>
@@ -7242,7 +7242,7 @@
               <a:t>รักพระองค์ดำรงนิรันดร์</a:t>
             </a:r>
             <a:r>
-              <a:rPr sz="6400" dirty="0">
+              <a:rPr sz="6000" dirty="0">
                 <a:solidFill>
                   <a:srgbClr val="000000"/>
                 </a:solidFill>
@@ -7475,8 +7475,8 @@
         </p:nvSpPr>
         <p:spPr>
           <a:xfrm>
-            <a:off x="190320" y="3657600"/>
-            <a:ext cx="8763361" cy="3416320"/>
+            <a:off x="668175" y="3657600"/>
+            <a:ext cx="7807650" cy="3046988"/>
           </a:xfrm>
           <a:prstGeom prst="rect">
             <a:avLst/>
@@ -7497,7 +7497,7 @@
               </a:defRPr>
             </a:pPr>
             <a:r>
-              <a:rPr sz="5400" b="1" dirty="0">
+              <a:rPr sz="4800" b="1" dirty="0">
                 <a:solidFill>
                   <a:srgbClr val="3A70BC"/>
                 </a:solidFill>
@@ -7505,14 +7505,14 @@
               <a:t>For the life that’s been reborn</a:t>
             </a:r>
             <a:br>
-              <a:rPr sz="5400" b="1" dirty="0">
+              <a:rPr sz="4800" b="1" dirty="0">
                 <a:solidFill>
                   <a:srgbClr val="3A70BC"/>
                 </a:solidFill>
               </a:rPr>
             </a:br>
             <a:r>
-              <a:rPr sz="5400" b="1" dirty="0">
+              <a:rPr sz="4800" b="1" dirty="0">
                 <a:solidFill>
                   <a:srgbClr val="3A70BC"/>
                 </a:solidFill>
@@ -7520,14 +7520,14 @@
               <a:t> His love endures forever</a:t>
             </a:r>
             <a:br>
-              <a:rPr sz="5400" b="1" dirty="0">
+              <a:rPr sz="4800" b="1" dirty="0">
                 <a:solidFill>
                   <a:srgbClr val="3A70BC"/>
                 </a:solidFill>
               </a:rPr>
             </a:br>
             <a:r>
-              <a:rPr sz="5400" b="1" dirty="0">
+              <a:rPr sz="4800" b="1" dirty="0">
                 <a:solidFill>
                   <a:srgbClr val="3A70BC"/>
                 </a:solidFill>
@@ -7535,13 +7535,13 @@
               <a:t> Sing praise, sing praise</a:t>
             </a:r>
             <a:br>
-              <a:rPr sz="5400" b="1" dirty="0">
+              <a:rPr sz="4800" b="1" dirty="0">
                 <a:solidFill>
                   <a:srgbClr val="3A70BC"/>
                 </a:solidFill>
               </a:rPr>
             </a:br>
-            <a:endParaRPr sz="5400" b="1" dirty="0">
+            <a:endParaRPr sz="4800" b="1" dirty="0">
               <a:solidFill>
                 <a:srgbClr val="3A70BC"/>
               </a:solidFill>
@@ -7602,8 +7602,8 @@
         </p:nvSpPr>
         <p:spPr>
           <a:xfrm>
-            <a:off x="685800" y="228600"/>
-            <a:ext cx="7772400" cy="3416320"/>
+            <a:off x="685800" y="134816"/>
+            <a:ext cx="7772400" cy="3046988"/>
           </a:xfrm>
           <a:prstGeom prst="rect">
             <a:avLst/>
@@ -7624,7 +7624,7 @@
               </a:defRPr>
             </a:pPr>
             <a:r>
-              <a:rPr sz="5400" dirty="0">
+              <a:rPr sz="4800" dirty="0">
                 <a:solidFill>
                   <a:srgbClr val="000000"/>
                 </a:solidFill>
@@ -7632,7 +7632,7 @@
               <a:t>** </a:t>
             </a:r>
             <a:r>
-              <a:rPr sz="5400" dirty="0" err="1">
+              <a:rPr sz="4800" dirty="0" err="1">
                 <a:solidFill>
                   <a:srgbClr val="000000"/>
                 </a:solidFill>
@@ -7640,7 +7640,7 @@
               <a:t>ชั่วนิรันดร์</a:t>
             </a:r>
             <a:r>
-              <a:rPr sz="5400" dirty="0">
+              <a:rPr sz="4800" dirty="0">
                 <a:solidFill>
                   <a:srgbClr val="000000"/>
                 </a:solidFill>
@@ -7648,7 +7648,7 @@
               <a:t> </a:t>
             </a:r>
             <a:r>
-              <a:rPr sz="5400" dirty="0" err="1">
+              <a:rPr sz="4800" dirty="0" err="1">
                 <a:solidFill>
                   <a:srgbClr val="000000"/>
                 </a:solidFill>
@@ -7656,14 +7656,14 @@
               <a:t>พระองค์สัตย์ซื่อ</a:t>
             </a:r>
             <a:r>
-              <a:rPr sz="5400" dirty="0">
+              <a:rPr sz="4800" dirty="0">
                 <a:solidFill>
                   <a:srgbClr val="000000"/>
                 </a:solidFill>
               </a:rPr>
               <a:t> </a:t>
             </a:r>
-            <a:endParaRPr lang="en-US" sz="5400" dirty="0" smtClean="0">
+            <a:endParaRPr lang="en-US" sz="4800" dirty="0" smtClean="0">
               <a:solidFill>
                 <a:srgbClr val="000000"/>
               </a:solidFill>
@@ -7678,7 +7678,7 @@
               </a:defRPr>
             </a:pPr>
             <a:r>
-              <a:rPr sz="5400" dirty="0" err="1" smtClean="0">
+              <a:rPr sz="4800" dirty="0" err="1" smtClean="0">
                 <a:solidFill>
                   <a:srgbClr val="000000"/>
                 </a:solidFill>
@@ -7686,7 +7686,7 @@
               <a:t>ชั่ว</a:t>
             </a:r>
             <a:r>
-              <a:rPr sz="5400" dirty="0" err="1">
+              <a:rPr sz="4800" dirty="0" err="1">
                 <a:solidFill>
                   <a:srgbClr val="000000"/>
                 </a:solidFill>
@@ -7694,7 +7694,7 @@
               <a:t>นิรันดร์</a:t>
             </a:r>
             <a:r>
-              <a:rPr sz="5400" dirty="0">
+              <a:rPr sz="4800" dirty="0">
                 <a:solidFill>
                   <a:srgbClr val="000000"/>
                 </a:solidFill>
@@ -7702,7 +7702,7 @@
               <a:t> </a:t>
             </a:r>
             <a:r>
-              <a:rPr sz="5400" dirty="0" err="1">
+              <a:rPr sz="4800" dirty="0" err="1">
                 <a:solidFill>
                   <a:srgbClr val="000000"/>
                 </a:solidFill>
@@ -7710,7 +7710,7 @@
               <a:t>ทรงฤทธา</a:t>
             </a:r>
             <a:r>
-              <a:rPr sz="5400" dirty="0">
+              <a:rPr sz="4800" dirty="0">
                 <a:solidFill>
                   <a:srgbClr val="000000"/>
                 </a:solidFill>
@@ -7718,7 +7718,7 @@
               <a:t> </a:t>
             </a:r>
             <a:r>
-              <a:rPr sz="5400" dirty="0" err="1">
+              <a:rPr sz="4800" dirty="0" err="1">
                 <a:solidFill>
                   <a:srgbClr val="000000"/>
                 </a:solidFill>
@@ -7726,14 +7726,14 @@
               <a:t>ชั่วนิรันดร์</a:t>
             </a:r>
             <a:r>
-              <a:rPr sz="5400" dirty="0">
+              <a:rPr sz="4800" dirty="0">
                 <a:solidFill>
                   <a:srgbClr val="000000"/>
                 </a:solidFill>
               </a:rPr>
               <a:t> </a:t>
             </a:r>
-            <a:endParaRPr lang="en-US" sz="5400" dirty="0" smtClean="0">
+            <a:endParaRPr lang="en-US" sz="4800" dirty="0" smtClean="0">
               <a:solidFill>
                 <a:srgbClr val="000000"/>
               </a:solidFill>
@@ -7748,7 +7748,7 @@
               </a:defRPr>
             </a:pPr>
             <a:r>
-              <a:rPr sz="5400" dirty="0" err="1" smtClean="0">
+              <a:rPr sz="4800" dirty="0" err="1" smtClean="0">
                 <a:solidFill>
                   <a:srgbClr val="000000"/>
                 </a:solidFill>
@@ -7756,7 +7756,7 @@
               <a:t>ทรง</a:t>
             </a:r>
             <a:r>
-              <a:rPr sz="5400" dirty="0" err="1">
+              <a:rPr sz="4800" dirty="0" err="1">
                 <a:solidFill>
                   <a:srgbClr val="000000"/>
                 </a:solidFill>
@@ -7764,7 +7764,7 @@
               <a:t>อยู่กับเรา</a:t>
             </a:r>
             <a:r>
-              <a:rPr sz="5400" dirty="0">
+              <a:rPr sz="4800" dirty="0">
                 <a:solidFill>
                   <a:srgbClr val="000000"/>
                 </a:solidFill>
@@ -7772,7 +7772,7 @@
               <a:t> </a:t>
             </a:r>
             <a:r>
-              <a:rPr sz="5400" dirty="0" err="1">
+              <a:rPr sz="4800" dirty="0" err="1">
                 <a:solidFill>
                   <a:srgbClr val="000000"/>
                 </a:solidFill>
@@ -7780,14 +7780,14 @@
               <a:t>ชั่วนิรันดร์</a:t>
             </a:r>
             <a:r>
-              <a:rPr sz="5400" dirty="0">
+              <a:rPr sz="4800" dirty="0">
                 <a:solidFill>
                   <a:srgbClr val="000000"/>
                 </a:solidFill>
               </a:rPr>
               <a:t> </a:t>
             </a:r>
-            <a:endParaRPr lang="en-US" sz="5400" dirty="0" smtClean="0">
+            <a:endParaRPr lang="en-US" sz="4800" dirty="0" smtClean="0">
               <a:solidFill>
                 <a:srgbClr val="000000"/>
               </a:solidFill>
@@ -7802,7 +7802,7 @@
               </a:defRPr>
             </a:pPr>
             <a:r>
-              <a:rPr sz="5400" dirty="0" err="1" smtClean="0">
+              <a:rPr sz="4800" dirty="0" err="1" smtClean="0">
                 <a:solidFill>
                   <a:srgbClr val="000000"/>
                 </a:solidFill>
@@ -7810,7 +7810,7 @@
               <a:t>และ</a:t>
             </a:r>
             <a:r>
-              <a:rPr sz="5400" dirty="0" err="1">
+              <a:rPr sz="4800" dirty="0" err="1">
                 <a:solidFill>
                   <a:srgbClr val="000000"/>
                 </a:solidFill>
@@ -7818,7 +7818,7 @@
               <a:t>นิรันดร์</a:t>
             </a:r>
             <a:r>
-              <a:rPr sz="5400" dirty="0">
+              <a:rPr sz="4800" dirty="0">
                 <a:solidFill>
                   <a:srgbClr val="000000"/>
                 </a:solidFill>
@@ -7826,14 +7826,14 @@
               <a:t> </a:t>
             </a:r>
             <a:r>
-              <a:rPr sz="5400" dirty="0" err="1">
+              <a:rPr sz="4800" dirty="0" err="1">
                 <a:solidFill>
                   <a:srgbClr val="000000"/>
                 </a:solidFill>
               </a:rPr>
               <a:t>นิจนิรันดร์</a:t>
             </a:r>
-            <a:endParaRPr sz="5400" dirty="0">
+            <a:endParaRPr sz="4800" dirty="0">
               <a:solidFill>
                 <a:srgbClr val="000000"/>
               </a:solidFill>
@@ -7849,8 +7849,8 @@
         </p:nvSpPr>
         <p:spPr>
           <a:xfrm>
-            <a:off x="345831" y="3675350"/>
-            <a:ext cx="8112369" cy="3046988"/>
+            <a:off x="345831" y="3505531"/>
+            <a:ext cx="8112369" cy="2800767"/>
           </a:xfrm>
           <a:prstGeom prst="rect">
             <a:avLst/>
@@ -7871,7 +7871,7 @@
               </a:defRPr>
             </a:pPr>
             <a:r>
-              <a:rPr sz="4800" b="1" dirty="0">
+              <a:rPr sz="4400" b="1" dirty="0">
                 <a:solidFill>
                   <a:srgbClr val="3A70BC"/>
                 </a:solidFill>
@@ -7879,14 +7879,14 @@
               <a:t>Forever God is faithful</a:t>
             </a:r>
             <a:br>
-              <a:rPr sz="4800" b="1" dirty="0">
+              <a:rPr sz="4400" b="1" dirty="0">
                 <a:solidFill>
                   <a:srgbClr val="3A70BC"/>
                 </a:solidFill>
               </a:rPr>
             </a:br>
             <a:r>
-              <a:rPr sz="4800" b="1" dirty="0">
+              <a:rPr sz="4400" b="1" dirty="0">
                 <a:solidFill>
                   <a:srgbClr val="3A70BC"/>
                 </a:solidFill>
@@ -7894,14 +7894,14 @@
               <a:t> Forever God is strong</a:t>
             </a:r>
             <a:br>
-              <a:rPr sz="4800" b="1" dirty="0">
+              <a:rPr sz="4400" b="1" dirty="0">
                 <a:solidFill>
                   <a:srgbClr val="3A70BC"/>
                 </a:solidFill>
               </a:rPr>
             </a:br>
             <a:r>
-              <a:rPr sz="4800" b="1" dirty="0">
+              <a:rPr sz="4400" b="1" dirty="0">
                 <a:solidFill>
                   <a:srgbClr val="3A70BC"/>
                 </a:solidFill>
@@ -7909,7 +7909,7 @@
               <a:t> Forever God is with </a:t>
             </a:r>
             <a:r>
-              <a:rPr sz="4800" b="1" dirty="0" smtClean="0">
+              <a:rPr sz="4400" b="1" dirty="0" smtClean="0">
                 <a:solidFill>
                   <a:srgbClr val="3A70BC"/>
                 </a:solidFill>
@@ -7917,7 +7917,7 @@
               <a:t>us</a:t>
             </a:r>
             <a:r>
-              <a:rPr lang="en-US" sz="4800" b="1" dirty="0" smtClean="0">
+              <a:rPr lang="en-US" sz="4400" b="1" dirty="0" smtClean="0">
                 <a:solidFill>
                   <a:srgbClr val="3A70BC"/>
                 </a:solidFill>
@@ -7925,21 +7925,40 @@
               <a:t>,</a:t>
             </a:r>
             <a:r>
-              <a:rPr sz="4800" b="1" dirty="0" smtClean="0">
+              <a:rPr sz="4400" b="1" dirty="0" smtClean="0">
                 <a:solidFill>
                   <a:srgbClr val="3A70BC"/>
                 </a:solidFill>
               </a:rPr>
               <a:t> </a:t>
             </a:r>
-            <a:r>
-              <a:rPr sz="4800" b="1" dirty="0">
+            <a:endParaRPr lang="en-US" sz="4400" b="1" dirty="0" smtClean="0">
+              <a:solidFill>
+                <a:srgbClr val="3A70BC"/>
+              </a:solidFill>
+            </a:endParaRPr>
+          </a:p>
+          <a:p>
+            <a:pPr algn="ctr">
+              <a:defRPr sz="5400">
                 <a:solidFill>
                   <a:srgbClr val="3A70BC"/>
                 </a:solidFill>
+              </a:defRPr>
+            </a:pPr>
+            <a:r>
+              <a:rPr sz="4400" b="1" dirty="0" smtClean="0">
+                <a:solidFill>
+                  <a:srgbClr val="3A70BC"/>
+                </a:solidFill>
               </a:rPr>
               <a:t>Forever</a:t>
             </a:r>
+            <a:endParaRPr sz="4400" b="1" dirty="0">
+              <a:solidFill>
+                <a:srgbClr val="3A70BC"/>
+              </a:solidFill>
+            </a:endParaRPr>
           </a:p>
         </p:txBody>
       </p:sp>
@@ -8240,8 +8259,8 @@
         </p:nvSpPr>
         <p:spPr>
           <a:xfrm>
-            <a:off x="312661" y="228600"/>
-            <a:ext cx="8518679" cy="3046988"/>
+            <a:off x="962679" y="228600"/>
+            <a:ext cx="7218643" cy="2585323"/>
           </a:xfrm>
           <a:prstGeom prst="rect">
             <a:avLst/>
@@ -8262,7 +8281,7 @@
               </a:defRPr>
             </a:pPr>
             <a:r>
-              <a:rPr sz="6400" dirty="0" err="1">
+              <a:rPr sz="5400" dirty="0" err="1">
                 <a:solidFill>
                   <a:srgbClr val="000000"/>
                 </a:solidFill>
@@ -8270,7 +8289,7 @@
               <a:t>โดยพระคุณพระองค์</a:t>
             </a:r>
             <a:r>
-              <a:rPr sz="6400" dirty="0">
+              <a:rPr sz="5400" dirty="0">
                 <a:solidFill>
                   <a:srgbClr val="000000"/>
                 </a:solidFill>
@@ -8278,7 +8297,7 @@
               <a:t> </a:t>
             </a:r>
             <a:r>
-              <a:rPr sz="6400" dirty="0" err="1">
+              <a:rPr sz="5400" dirty="0" err="1">
                 <a:solidFill>
                   <a:srgbClr val="000000"/>
                 </a:solidFill>
@@ -8286,7 +8305,7 @@
               <a:t>ทรงนำเราก้าวไป</a:t>
             </a:r>
             <a:r>
-              <a:rPr sz="6400" dirty="0">
+              <a:rPr sz="5400" dirty="0">
                 <a:solidFill>
                   <a:srgbClr val="000000"/>
                 </a:solidFill>
@@ -8294,14 +8313,14 @@
               <a:t/>
             </a:r>
             <a:br>
-              <a:rPr sz="6400" dirty="0">
+              <a:rPr sz="5400" dirty="0">
                 <a:solidFill>
                   <a:srgbClr val="000000"/>
                 </a:solidFill>
               </a:rPr>
             </a:br>
             <a:r>
-              <a:rPr sz="6400" dirty="0" err="1">
+              <a:rPr sz="5400" dirty="0" err="1">
                 <a:solidFill>
                   <a:srgbClr val="000000"/>
                 </a:solidFill>
@@ -8309,7 +8328,7 @@
               <a:t>ความรักพระองค์ดำรงนิรันดร์</a:t>
             </a:r>
             <a:r>
-              <a:rPr sz="6400" dirty="0">
+              <a:rPr sz="5400" dirty="0">
                 <a:solidFill>
                   <a:srgbClr val="000000"/>
                 </a:solidFill>
@@ -8317,14 +8336,14 @@
               <a:t/>
             </a:r>
             <a:br>
-              <a:rPr sz="6400" dirty="0">
+              <a:rPr sz="5400" dirty="0">
                 <a:solidFill>
                   <a:srgbClr val="000000"/>
                 </a:solidFill>
               </a:rPr>
             </a:br>
             <a:r>
-              <a:rPr sz="6400" dirty="0" err="1">
+              <a:rPr sz="5400" dirty="0" err="1">
                 <a:solidFill>
                   <a:srgbClr val="000000"/>
                 </a:solidFill>
@@ -8332,7 +8351,7 @@
               <a:t>เราร้อง</a:t>
             </a:r>
             <a:r>
-              <a:rPr sz="6400" dirty="0">
+              <a:rPr sz="5400" dirty="0">
                 <a:solidFill>
                   <a:srgbClr val="000000"/>
                 </a:solidFill>
@@ -8340,14 +8359,14 @@
               <a:t> </a:t>
             </a:r>
             <a:r>
-              <a:rPr sz="6400" dirty="0" err="1">
+              <a:rPr sz="5400" dirty="0" err="1">
                 <a:solidFill>
                   <a:srgbClr val="000000"/>
                 </a:solidFill>
               </a:rPr>
               <a:t>สรรเสริญ</a:t>
             </a:r>
-            <a:endParaRPr sz="6400" dirty="0">
+            <a:endParaRPr sz="5400" dirty="0">
               <a:solidFill>
                 <a:srgbClr val="000000"/>
               </a:solidFill>
@@ -8364,7 +8383,7 @@
         <p:spPr>
           <a:xfrm>
             <a:off x="685800" y="3287311"/>
-            <a:ext cx="7772400" cy="3416320"/>
+            <a:ext cx="7772400" cy="3046988"/>
           </a:xfrm>
           <a:prstGeom prst="rect">
             <a:avLst/>
@@ -8385,14 +8404,14 @@
               </a:defRPr>
             </a:pPr>
             <a:r>
-              <a:rPr sz="5400" b="1" dirty="0">
+              <a:rPr sz="4800" b="1" dirty="0">
                 <a:solidFill>
                   <a:srgbClr val="3A70BC"/>
                 </a:solidFill>
               </a:rPr>
               <a:t>By the grace of God </a:t>
             </a:r>
-            <a:endParaRPr lang="en-US" sz="5400" b="1" dirty="0" smtClean="0">
+            <a:endParaRPr lang="en-US" sz="4800" b="1" dirty="0" smtClean="0">
               <a:solidFill>
                 <a:srgbClr val="3A70BC"/>
               </a:solidFill>
@@ -8407,7 +8426,7 @@
               </a:defRPr>
             </a:pPr>
             <a:r>
-              <a:rPr sz="5400" b="1" dirty="0" smtClean="0">
+              <a:rPr sz="4800" b="1" dirty="0" smtClean="0">
                 <a:solidFill>
                   <a:srgbClr val="3A70BC"/>
                 </a:solidFill>
@@ -8415,14 +8434,14 @@
               <a:t>we </a:t>
             </a:r>
             <a:r>
-              <a:rPr sz="5400" b="1" dirty="0">
+              <a:rPr sz="4800" b="1" dirty="0">
                 <a:solidFill>
                   <a:srgbClr val="3A70BC"/>
                 </a:solidFill>
               </a:rPr>
               <a:t>will carry on. </a:t>
             </a:r>
-            <a:endParaRPr lang="en-US" sz="5400" b="1" dirty="0" smtClean="0">
+            <a:endParaRPr lang="en-US" sz="4800" b="1" dirty="0" smtClean="0">
               <a:solidFill>
                 <a:srgbClr val="3A70BC"/>
               </a:solidFill>
@@ -8437,7 +8456,7 @@
               </a:defRPr>
             </a:pPr>
             <a:r>
-              <a:rPr sz="5400" b="1" dirty="0" smtClean="0">
+              <a:rPr sz="4800" b="1" dirty="0" smtClean="0">
                 <a:solidFill>
                   <a:srgbClr val="3A70BC"/>
                 </a:solidFill>
@@ -8445,14 +8464,14 @@
               <a:t>His </a:t>
             </a:r>
             <a:r>
-              <a:rPr sz="5400" b="1" dirty="0">
+              <a:rPr sz="4800" b="1" dirty="0">
                 <a:solidFill>
                   <a:srgbClr val="3A70BC"/>
                 </a:solidFill>
               </a:rPr>
               <a:t>love endures forever. </a:t>
             </a:r>
-            <a:endParaRPr lang="en-US" sz="5400" b="1" dirty="0" smtClean="0">
+            <a:endParaRPr lang="en-US" sz="4800" b="1" dirty="0" smtClean="0">
               <a:solidFill>
                 <a:srgbClr val="3A70BC"/>
               </a:solidFill>
@@ -8467,7 +8486,7 @@
               </a:defRPr>
             </a:pPr>
             <a:r>
-              <a:rPr sz="5400" b="1" dirty="0" smtClean="0">
+              <a:rPr sz="4800" b="1" dirty="0" smtClean="0">
                 <a:solidFill>
                   <a:srgbClr val="3A70BC"/>
                 </a:solidFill>
@@ -8475,7 +8494,7 @@
               <a:t>Sing </a:t>
             </a:r>
             <a:r>
-              <a:rPr sz="5400" b="1" dirty="0">
+              <a:rPr sz="4800" b="1" dirty="0">
                 <a:solidFill>
                   <a:srgbClr val="3A70BC"/>
                 </a:solidFill>
@@ -8538,8 +8557,8 @@
         </p:nvSpPr>
         <p:spPr>
           <a:xfrm>
-            <a:off x="685800" y="228600"/>
-            <a:ext cx="7772400" cy="3416320"/>
+            <a:off x="685800" y="134816"/>
+            <a:ext cx="7772400" cy="3046988"/>
           </a:xfrm>
           <a:prstGeom prst="rect">
             <a:avLst/>
@@ -8560,7 +8579,7 @@
               </a:defRPr>
             </a:pPr>
             <a:r>
-              <a:rPr sz="5400" dirty="0">
+              <a:rPr sz="4800" dirty="0">
                 <a:solidFill>
                   <a:srgbClr val="000000"/>
                 </a:solidFill>
@@ -8568,7 +8587,7 @@
               <a:t>** </a:t>
             </a:r>
             <a:r>
-              <a:rPr sz="5400" dirty="0" err="1">
+              <a:rPr sz="4800" dirty="0" err="1">
                 <a:solidFill>
                   <a:srgbClr val="000000"/>
                 </a:solidFill>
@@ -8576,7 +8595,7 @@
               <a:t>ชั่วนิรันดร์</a:t>
             </a:r>
             <a:r>
-              <a:rPr sz="5400" dirty="0">
+              <a:rPr sz="4800" dirty="0">
                 <a:solidFill>
                   <a:srgbClr val="000000"/>
                 </a:solidFill>
@@ -8584,7 +8603,7 @@
               <a:t> </a:t>
             </a:r>
             <a:r>
-              <a:rPr sz="5400" dirty="0" err="1">
+              <a:rPr sz="4800" dirty="0" err="1">
                 <a:solidFill>
                   <a:srgbClr val="000000"/>
                 </a:solidFill>
@@ -8592,14 +8611,14 @@
               <a:t>พระองค์สัตย์ซื่อ</a:t>
             </a:r>
             <a:r>
-              <a:rPr sz="5400" dirty="0">
+              <a:rPr sz="4800" dirty="0">
                 <a:solidFill>
                   <a:srgbClr val="000000"/>
                 </a:solidFill>
               </a:rPr>
               <a:t> </a:t>
             </a:r>
-            <a:endParaRPr lang="en-US" sz="5400" dirty="0" smtClean="0">
+            <a:endParaRPr lang="en-US" sz="4800" dirty="0" smtClean="0">
               <a:solidFill>
                 <a:srgbClr val="000000"/>
               </a:solidFill>
@@ -8614,7 +8633,7 @@
               </a:defRPr>
             </a:pPr>
             <a:r>
-              <a:rPr sz="5400" dirty="0" err="1" smtClean="0">
+              <a:rPr sz="4800" dirty="0" err="1" smtClean="0">
                 <a:solidFill>
                   <a:srgbClr val="000000"/>
                 </a:solidFill>
@@ -8622,7 +8641,7 @@
               <a:t>ชั่ว</a:t>
             </a:r>
             <a:r>
-              <a:rPr sz="5400" dirty="0" err="1">
+              <a:rPr sz="4800" dirty="0" err="1">
                 <a:solidFill>
                   <a:srgbClr val="000000"/>
                 </a:solidFill>
@@ -8630,7 +8649,7 @@
               <a:t>นิรันดร์</a:t>
             </a:r>
             <a:r>
-              <a:rPr sz="5400" dirty="0">
+              <a:rPr sz="4800" dirty="0">
                 <a:solidFill>
                   <a:srgbClr val="000000"/>
                 </a:solidFill>
@@ -8638,7 +8657,7 @@
               <a:t> </a:t>
             </a:r>
             <a:r>
-              <a:rPr sz="5400" dirty="0" err="1">
+              <a:rPr sz="4800" dirty="0" err="1">
                 <a:solidFill>
                   <a:srgbClr val="000000"/>
                 </a:solidFill>
@@ -8646,7 +8665,7 @@
               <a:t>ทรงฤทธา</a:t>
             </a:r>
             <a:r>
-              <a:rPr sz="5400" dirty="0">
+              <a:rPr sz="4800" dirty="0">
                 <a:solidFill>
                   <a:srgbClr val="000000"/>
                 </a:solidFill>
@@ -8654,7 +8673,7 @@
               <a:t> </a:t>
             </a:r>
             <a:r>
-              <a:rPr sz="5400" dirty="0" err="1">
+              <a:rPr sz="4800" dirty="0" err="1">
                 <a:solidFill>
                   <a:srgbClr val="000000"/>
                 </a:solidFill>
@@ -8662,14 +8681,14 @@
               <a:t>ชั่วนิรันดร์</a:t>
             </a:r>
             <a:r>
-              <a:rPr sz="5400" dirty="0">
+              <a:rPr sz="4800" dirty="0">
                 <a:solidFill>
                   <a:srgbClr val="000000"/>
                 </a:solidFill>
               </a:rPr>
               <a:t> </a:t>
             </a:r>
-            <a:endParaRPr lang="en-US" sz="5400" dirty="0" smtClean="0">
+            <a:endParaRPr lang="en-US" sz="4800" dirty="0" smtClean="0">
               <a:solidFill>
                 <a:srgbClr val="000000"/>
               </a:solidFill>
@@ -8684,7 +8703,7 @@
               </a:defRPr>
             </a:pPr>
             <a:r>
-              <a:rPr sz="5400" dirty="0" err="1" smtClean="0">
+              <a:rPr sz="4800" dirty="0" err="1" smtClean="0">
                 <a:solidFill>
                   <a:srgbClr val="000000"/>
                 </a:solidFill>
@@ -8692,7 +8711,7 @@
               <a:t>ทรง</a:t>
             </a:r>
             <a:r>
-              <a:rPr sz="5400" dirty="0" err="1">
+              <a:rPr sz="4800" dirty="0" err="1">
                 <a:solidFill>
                   <a:srgbClr val="000000"/>
                 </a:solidFill>
@@ -8700,7 +8719,7 @@
               <a:t>อยู่กับเรา</a:t>
             </a:r>
             <a:r>
-              <a:rPr sz="5400" dirty="0">
+              <a:rPr sz="4800" dirty="0">
                 <a:solidFill>
                   <a:srgbClr val="000000"/>
                 </a:solidFill>
@@ -8708,7 +8727,7 @@
               <a:t> </a:t>
             </a:r>
             <a:r>
-              <a:rPr sz="5400" dirty="0" err="1">
+              <a:rPr sz="4800" dirty="0" err="1">
                 <a:solidFill>
                   <a:srgbClr val="000000"/>
                 </a:solidFill>
@@ -8716,14 +8735,14 @@
               <a:t>ชั่วนิรันดร์</a:t>
             </a:r>
             <a:r>
-              <a:rPr sz="5400" dirty="0">
+              <a:rPr sz="4800" dirty="0">
                 <a:solidFill>
                   <a:srgbClr val="000000"/>
                 </a:solidFill>
               </a:rPr>
               <a:t> </a:t>
             </a:r>
-            <a:endParaRPr lang="en-US" sz="5400" dirty="0" smtClean="0">
+            <a:endParaRPr lang="en-US" sz="4800" dirty="0" smtClean="0">
               <a:solidFill>
                 <a:srgbClr val="000000"/>
               </a:solidFill>
@@ -8738,7 +8757,7 @@
               </a:defRPr>
             </a:pPr>
             <a:r>
-              <a:rPr sz="5400" dirty="0" err="1" smtClean="0">
+              <a:rPr sz="4800" dirty="0" err="1" smtClean="0">
                 <a:solidFill>
                   <a:srgbClr val="000000"/>
                 </a:solidFill>
@@ -8746,7 +8765,7 @@
               <a:t>และ</a:t>
             </a:r>
             <a:r>
-              <a:rPr sz="5400" dirty="0" err="1">
+              <a:rPr sz="4800" dirty="0" err="1">
                 <a:solidFill>
                   <a:srgbClr val="000000"/>
                 </a:solidFill>
@@ -8754,7 +8773,7 @@
               <a:t>นิรันดร์</a:t>
             </a:r>
             <a:r>
-              <a:rPr sz="5400" dirty="0">
+              <a:rPr sz="4800" dirty="0">
                 <a:solidFill>
                   <a:srgbClr val="000000"/>
                 </a:solidFill>
@@ -8762,14 +8781,14 @@
               <a:t> </a:t>
             </a:r>
             <a:r>
-              <a:rPr sz="5400" dirty="0" err="1">
+              <a:rPr sz="4800" dirty="0" err="1">
                 <a:solidFill>
                   <a:srgbClr val="000000"/>
                 </a:solidFill>
               </a:rPr>
               <a:t>นิจนิรันดร์</a:t>
             </a:r>
-            <a:endParaRPr sz="5400" dirty="0">
+            <a:endParaRPr sz="4800" dirty="0">
               <a:solidFill>
                 <a:srgbClr val="000000"/>
               </a:solidFill>
@@ -8785,7 +8804,7 @@
         </p:nvSpPr>
         <p:spPr>
           <a:xfrm>
-            <a:off x="345830" y="3662672"/>
+            <a:off x="345831" y="3675350"/>
             <a:ext cx="8112369" cy="3046988"/>
           </a:xfrm>
           <a:prstGeom prst="rect">
@@ -8882,7 +8901,7 @@
     </p:spTree>
     <p:extLst>
       <p:ext uri="{BB962C8B-B14F-4D97-AF65-F5344CB8AC3E}">
-        <p14:creationId xmlns:p14="http://schemas.microsoft.com/office/powerpoint/2010/main" val="3366838109"/>
+        <p14:creationId xmlns:p14="http://schemas.microsoft.com/office/powerpoint/2010/main" val="1844607594"/>
       </p:ext>
     </p:extLst>
   </p:cSld>
